--- a/Final Project PowerPoint/Machine Learning.pptx
+++ b/Final Project PowerPoint/Machine Learning.pptx
@@ -130,6 +130,11 @@
       </a:defRPr>
     </a:lvl9pPr>
   </p:defaultTextStyle>
+  <p:extLst>
+    <p:ext uri="{EFAFB233-063F-42B5-8137-9DF3F51BA10A}">
+      <p15:sldGuideLst xmlns:p15="http://schemas.microsoft.com/office/powerpoint/2012/main"/>
+    </p:ext>
+  </p:extLst>
 </p:presentation>
 </file>
 
@@ -319,7 +324,7 @@
           <a:p>
             <a:fld id="{4AAD347D-5ACD-4C99-B74B-A9C85AD731AF}" type="datetimeFigureOut">
               <a:rPr lang="en-US" dirty="0"/>
-              <a:t>5/6/2020</a:t>
+              <a:t>5/7/2020</a:t>
             </a:fld>
             <a:endParaRPr lang="en-US" dirty="0"/>
           </a:p>
@@ -589,7 +594,7 @@
           <a:p>
             <a:fld id="{4509A250-FF31-4206-8172-F9D3106AACB1}" type="datetimeFigureOut">
               <a:rPr lang="en-US" dirty="0"/>
-              <a:t>5/6/2020</a:t>
+              <a:t>5/7/2020</a:t>
             </a:fld>
             <a:endParaRPr lang="en-US" dirty="0"/>
           </a:p>
@@ -778,7 +783,7 @@
           <a:p>
             <a:fld id="{4509A250-FF31-4206-8172-F9D3106AACB1}" type="datetimeFigureOut">
               <a:rPr lang="en-US" dirty="0"/>
-              <a:t>5/6/2020</a:t>
+              <a:t>5/7/2020</a:t>
             </a:fld>
             <a:endParaRPr lang="en-US" dirty="0"/>
           </a:p>
@@ -1046,7 +1051,7 @@
           <a:p>
             <a:fld id="{4509A250-FF31-4206-8172-F9D3106AACB1}" type="datetimeFigureOut">
               <a:rPr lang="en-US" dirty="0"/>
-              <a:t>5/6/2020</a:t>
+              <a:t>5/7/2020</a:t>
             </a:fld>
             <a:endParaRPr lang="en-US" dirty="0"/>
           </a:p>
@@ -1382,7 +1387,7 @@
           <a:p>
             <a:fld id="{4509A250-FF31-4206-8172-F9D3106AACB1}" type="datetimeFigureOut">
               <a:rPr lang="en-US" dirty="0"/>
-              <a:t>5/6/2020</a:t>
+              <a:t>5/7/2020</a:t>
             </a:fld>
             <a:endParaRPr lang="en-US" dirty="0"/>
           </a:p>
@@ -2000,7 +2005,7 @@
           <a:p>
             <a:fld id="{4509A250-FF31-4206-8172-F9D3106AACB1}" type="datetimeFigureOut">
               <a:rPr lang="en-US" dirty="0"/>
-              <a:t>5/6/2020</a:t>
+              <a:t>5/7/2020</a:t>
             </a:fld>
             <a:endParaRPr lang="en-US" dirty="0"/>
           </a:p>
@@ -2855,7 +2860,7 @@
           <a:p>
             <a:fld id="{4509A250-FF31-4206-8172-F9D3106AACB1}" type="datetimeFigureOut">
               <a:rPr lang="en-US" dirty="0"/>
-              <a:t>5/6/2020</a:t>
+              <a:t>5/7/2020</a:t>
             </a:fld>
             <a:endParaRPr lang="en-US" dirty="0"/>
           </a:p>
@@ -3020,7 +3025,7 @@
           <a:p>
             <a:fld id="{4509A250-FF31-4206-8172-F9D3106AACB1}" type="datetimeFigureOut">
               <a:rPr lang="en-US" dirty="0"/>
-              <a:t>5/6/2020</a:t>
+              <a:t>5/7/2020</a:t>
             </a:fld>
             <a:endParaRPr lang="en-US" dirty="0"/>
           </a:p>
@@ -3195,7 +3200,7 @@
           <a:p>
             <a:fld id="{4509A250-FF31-4206-8172-F9D3106AACB1}" type="datetimeFigureOut">
               <a:rPr lang="en-US" dirty="0"/>
-              <a:t>5/6/2020</a:t>
+              <a:t>5/7/2020</a:t>
             </a:fld>
             <a:endParaRPr lang="en-US" dirty="0"/>
           </a:p>
@@ -3360,7 +3365,7 @@
           <a:p>
             <a:fld id="{4509A250-FF31-4206-8172-F9D3106AACB1}" type="datetimeFigureOut">
               <a:rPr lang="en-US" dirty="0"/>
-              <a:t>5/6/2020</a:t>
+              <a:t>5/7/2020</a:t>
             </a:fld>
             <a:endParaRPr lang="en-US" dirty="0"/>
           </a:p>
@@ -3602,7 +3607,7 @@
           <a:p>
             <a:fld id="{9796027F-7875-4030-9381-8BD8C4F21935}" type="datetimeFigureOut">
               <a:rPr lang="en-US" dirty="0"/>
-              <a:t>5/6/2020</a:t>
+              <a:t>5/7/2020</a:t>
             </a:fld>
             <a:endParaRPr lang="en-US" dirty="0"/>
           </a:p>
@@ -3889,7 +3894,7 @@
           <a:p>
             <a:fld id="{9796027F-7875-4030-9381-8BD8C4F21935}" type="datetimeFigureOut">
               <a:rPr lang="en-US" dirty="0"/>
-              <a:t>5/6/2020</a:t>
+              <a:t>5/7/2020</a:t>
             </a:fld>
             <a:endParaRPr lang="en-US" dirty="0"/>
           </a:p>
@@ -4328,7 +4333,7 @@
           <a:p>
             <a:fld id="{9796027F-7875-4030-9381-8BD8C4F21935}" type="datetimeFigureOut">
               <a:rPr lang="en-US" dirty="0"/>
-              <a:t>5/6/2020</a:t>
+              <a:t>5/7/2020</a:t>
             </a:fld>
             <a:endParaRPr lang="en-US" dirty="0"/>
           </a:p>
@@ -4441,7 +4446,7 @@
           <a:p>
             <a:fld id="{4509A250-FF31-4206-8172-F9D3106AACB1}" type="datetimeFigureOut">
               <a:rPr lang="en-US" dirty="0"/>
-              <a:t>5/6/2020</a:t>
+              <a:t>5/7/2020</a:t>
             </a:fld>
             <a:endParaRPr lang="en-US" dirty="0"/>
           </a:p>
@@ -4531,7 +4536,7 @@
           <a:p>
             <a:fld id="{4509A250-FF31-4206-8172-F9D3106AACB1}" type="datetimeFigureOut">
               <a:rPr lang="en-US" dirty="0"/>
-              <a:t>5/6/2020</a:t>
+              <a:t>5/7/2020</a:t>
             </a:fld>
             <a:endParaRPr lang="en-US" dirty="0"/>
           </a:p>
@@ -4805,7 +4810,7 @@
           <a:p>
             <a:fld id="{4509A250-FF31-4206-8172-F9D3106AACB1}" type="datetimeFigureOut">
               <a:rPr lang="en-US" dirty="0"/>
-              <a:t>5/6/2020</a:t>
+              <a:t>5/7/2020</a:t>
             </a:fld>
             <a:endParaRPr lang="en-US" dirty="0"/>
           </a:p>
@@ -5075,7 +5080,7 @@
           <a:p>
             <a:fld id="{4509A250-FF31-4206-8172-F9D3106AACB1}" type="datetimeFigureOut">
               <a:rPr lang="en-US" dirty="0"/>
-              <a:t>5/6/2020</a:t>
+              <a:t>5/7/2020</a:t>
             </a:fld>
             <a:endParaRPr lang="en-US" dirty="0"/>
           </a:p>
@@ -5499,7 +5504,7 @@
           <a:p>
             <a:fld id="{4AAD347D-5ACD-4C99-B74B-A9C85AD731AF}" type="datetimeFigureOut">
               <a:rPr lang="en-US" dirty="0"/>
-              <a:t>5/6/2020</a:t>
+              <a:t>5/7/2020</a:t>
             </a:fld>
             <a:endParaRPr lang="en-US" dirty="0"/>
           </a:p>
@@ -6079,6 +6084,13 @@
   <p:clrMapOvr>
     <a:masterClrMapping/>
   </p:clrMapOvr>
+  <p:timing>
+    <p:tnLst>
+      <p:par>
+        <p:cTn id="1" dur="indefinite" restart="never" nodeType="tmRoot"/>
+      </p:par>
+    </p:tnLst>
+  </p:timing>
 </p:sld>
 </file>
 
@@ -7069,7 +7081,6 @@
               <a:rPr lang="en-US" dirty="0"/>
               <a:t>League of Legends is a MOBA (multiplayer online battle arena) where 2 teams (blue and red) face off. There are 3 lanes, a jungle, and 5 roles. The goal is to take down the enemy Nexus to win the game.</a:t>
             </a:r>
-            <a:endParaRPr lang="en-US" dirty="0"/>
           </a:p>
         </p:txBody>
       </p:sp>
@@ -7113,6 +7124,13 @@
   <p:clrMapOvr>
     <a:masterClrMapping/>
   </p:clrMapOvr>
+  <p:timing>
+    <p:tnLst>
+      <p:par>
+        <p:cTn id="1" dur="indefinite" restart="never" nodeType="tmRoot"/>
+      </p:par>
+    </p:tnLst>
+  </p:timing>
 </p:sld>
 </file>
 
@@ -7964,7 +7982,11 @@
             </a:r>
             <a:r>
               <a:rPr lang="en-US" dirty="0"/>
-              <a:t>dataset contains the first 10min. stats of approx. 10k ranked games (SOLO QUEUE) from a high ELO (DIAMOND I to MASTER). Players have roughly the same level</a:t>
+              <a:t>dataset contains the first 10min. stats of approx. 10k ranked games (SOLO QUEUE) from a high ELO (DIAMOND I to MASTER). Players have roughly the same </a:t>
+            </a:r>
+            <a:r>
+              <a:rPr lang="en-US" dirty="0" smtClean="0"/>
+              <a:t>skill level</a:t>
             </a:r>
             <a:r>
               <a:rPr lang="en-US" dirty="0" smtClean="0"/>
@@ -7992,12 +8014,13 @@
           <a:p>
             <a:r>
               <a:rPr lang="en-US" dirty="0"/>
-              <a:t>There are 19 features per team (38 in total) collected after 10min in-game. This includes kills, deaths, gold, experience, level… It's up to you to do some feature engineering to get more insights</a:t>
+              <a:t>There are 19 features per team (38 in total) collected after 10min in-game. This includes kills, deaths, gold, experience, level</a:t>
             </a:r>
             <a:r>
               <a:rPr lang="en-US" dirty="0" smtClean="0"/>
-              <a:t>.</a:t>
-            </a:r>
+              <a:t>….</a:t>
+            </a:r>
+            <a:endParaRPr lang="en-US" dirty="0" smtClean="0"/>
           </a:p>
           <a:p>
             <a:r>
@@ -8012,7 +8035,6 @@
               <a:rPr lang="en-US" dirty="0"/>
               <a:t> is the target value (the value we are trying to predict). A value of 1 means the blue team has won. 0 otherwise.</a:t>
             </a:r>
-            <a:endParaRPr lang="en-US" dirty="0"/>
           </a:p>
         </p:txBody>
       </p:sp>
@@ -8026,6 +8048,13 @@
   <p:clrMapOvr>
     <a:masterClrMapping/>
   </p:clrMapOvr>
+  <p:timing>
+    <p:tnLst>
+      <p:par>
+        <p:cTn id="1" dur="indefinite" restart="never" nodeType="tmRoot"/>
+      </p:par>
+    </p:tnLst>
+  </p:timing>
 </p:sld>
 </file>
 
@@ -8191,6 +8220,13 @@
   <p:clrMapOvr>
     <a:masterClrMapping/>
   </p:clrMapOvr>
+  <p:timing>
+    <p:tnLst>
+      <p:par>
+        <p:cTn id="1" dur="indefinite" restart="never" nodeType="tmRoot"/>
+      </p:par>
+    </p:tnLst>
+  </p:timing>
 </p:sld>
 </file>
 

--- a/Final Project PowerPoint/Machine Learning.pptx
+++ b/Final Project PowerPoint/Machine Learning.pptx
@@ -6372,6 +6372,13 @@
   <p:clrMapOvr>
     <a:masterClrMapping/>
   </p:clrMapOvr>
+  <p:timing>
+    <p:tnLst>
+      <p:par>
+        <p:cTn id="1" dur="indefinite" restart="never" nodeType="tmRoot"/>
+      </p:par>
+    </p:tnLst>
+  </p:timing>
 </p:sld>
 </file>
 
@@ -6489,6 +6496,13 @@
   <p:clrMapOvr>
     <a:masterClrMapping/>
   </p:clrMapOvr>
+  <p:timing>
+    <p:tnLst>
+      <p:par>
+        <p:cTn id="1" dur="indefinite" restart="never" nodeType="tmRoot"/>
+      </p:par>
+    </p:tnLst>
+  </p:timing>
 </p:sld>
 </file>
 
@@ -6579,6 +6593,13 @@
   <p:clrMapOvr>
     <a:masterClrMapping/>
   </p:clrMapOvr>
+  <p:timing>
+    <p:tnLst>
+      <p:par>
+        <p:cTn id="1" dur="indefinite" restart="never" nodeType="tmRoot"/>
+      </p:par>
+    </p:tnLst>
+  </p:timing>
 </p:sld>
 </file>
 
@@ -6661,6 +6682,13 @@
   <p:clrMapOvr>
     <a:masterClrMapping/>
   </p:clrMapOvr>
+  <p:timing>
+    <p:tnLst>
+      <p:par>
+        <p:cTn id="1" dur="indefinite" restart="never" nodeType="tmRoot"/>
+      </p:par>
+    </p:tnLst>
+  </p:timing>
 </p:sld>
 </file>
 
@@ -6743,6 +6771,13 @@
   <p:clrMapOvr>
     <a:masterClrMapping/>
   </p:clrMapOvr>
+  <p:timing>
+    <p:tnLst>
+      <p:par>
+        <p:cTn id="1" dur="indefinite" restart="never" nodeType="tmRoot"/>
+      </p:par>
+    </p:tnLst>
+  </p:timing>
 </p:sld>
 </file>
 
@@ -6825,6 +6860,13 @@
   <p:clrMapOvr>
     <a:masterClrMapping/>
   </p:clrMapOvr>
+  <p:timing>
+    <p:tnLst>
+      <p:par>
+        <p:cTn id="1" dur="indefinite" restart="never" nodeType="tmRoot"/>
+      </p:par>
+    </p:tnLst>
+  </p:timing>
 </p:sld>
 </file>
 
@@ -6907,6 +6949,13 @@
   <p:clrMapOvr>
     <a:masterClrMapping/>
   </p:clrMapOvr>
+  <p:timing>
+    <p:tnLst>
+      <p:par>
+        <p:cTn id="1" dur="indefinite" restart="never" nodeType="tmRoot"/>
+      </p:par>
+    </p:tnLst>
+  </p:timing>
 </p:sld>
 </file>
 
@@ -7019,6 +7068,13 @@
   <p:clrMapOvr>
     <a:masterClrMapping/>
   </p:clrMapOvr>
+  <p:timing>
+    <p:tnLst>
+      <p:par>
+        <p:cTn id="1" dur="indefinite" restart="never" nodeType="tmRoot"/>
+      </p:par>
+    </p:tnLst>
+  </p:timing>
 </p:sld>
 </file>
 
@@ -7222,6 +7278,13 @@
   <p:clrMapOvr>
     <a:masterClrMapping/>
   </p:clrMapOvr>
+  <p:timing>
+    <p:tnLst>
+      <p:par>
+        <p:cTn id="1" dur="indefinite" restart="never" nodeType="tmRoot"/>
+      </p:par>
+    </p:tnLst>
+  </p:timing>
 </p:sld>
 </file>
 
@@ -7304,6 +7367,13 @@
   <p:clrMapOvr>
     <a:masterClrMapping/>
   </p:clrMapOvr>
+  <p:timing>
+    <p:tnLst>
+      <p:par>
+        <p:cTn id="1" dur="indefinite" restart="never" nodeType="tmRoot"/>
+      </p:par>
+    </p:tnLst>
+  </p:timing>
 </p:sld>
 </file>
 
@@ -7416,6 +7486,13 @@
   <p:clrMapOvr>
     <a:masterClrMapping/>
   </p:clrMapOvr>
+  <p:timing>
+    <p:tnLst>
+      <p:par>
+        <p:cTn id="1" dur="indefinite" restart="never" nodeType="tmRoot"/>
+      </p:par>
+    </p:tnLst>
+  </p:timing>
 </p:sld>
 </file>
 
@@ -7528,6 +7605,13 @@
   <p:clrMapOvr>
     <a:masterClrMapping/>
   </p:clrMapOvr>
+  <p:timing>
+    <p:tnLst>
+      <p:par>
+        <p:cTn id="1" dur="indefinite" restart="never" nodeType="tmRoot"/>
+      </p:par>
+    </p:tnLst>
+  </p:timing>
 </p:sld>
 </file>
 
@@ -7610,6 +7694,13 @@
   <p:clrMapOvr>
     <a:masterClrMapping/>
   </p:clrMapOvr>
+  <p:timing>
+    <p:tnLst>
+      <p:par>
+        <p:cTn id="1" dur="indefinite" restart="never" nodeType="tmRoot"/>
+      </p:par>
+    </p:tnLst>
+  </p:timing>
 </p:sld>
 </file>
 
@@ -7722,6 +7813,13 @@
   <p:clrMapOvr>
     <a:masterClrMapping/>
   </p:clrMapOvr>
+  <p:timing>
+    <p:tnLst>
+      <p:par>
+        <p:cTn id="1" dur="indefinite" restart="never" nodeType="tmRoot"/>
+      </p:par>
+    </p:tnLst>
+  </p:timing>
 </p:sld>
 </file>
 
@@ -7846,6 +7944,13 @@
   <p:clrMapOvr>
     <a:masterClrMapping/>
   </p:clrMapOvr>
+  <p:timing>
+    <p:tnLst>
+      <p:par>
+        <p:cTn id="1" dur="indefinite" restart="never" nodeType="tmRoot"/>
+      </p:par>
+    </p:tnLst>
+  </p:timing>
 </p:sld>
 </file>
 
@@ -7918,6 +8023,13 @@
   <p:clrMapOvr>
     <a:masterClrMapping/>
   </p:clrMapOvr>
+  <p:timing>
+    <p:tnLst>
+      <p:par>
+        <p:cTn id="1" dur="indefinite" restart="never" nodeType="tmRoot"/>
+      </p:par>
+    </p:tnLst>
+  </p:timing>
 </p:sld>
 </file>
 
@@ -7982,45 +8094,45 @@
             </a:r>
             <a:r>
               <a:rPr lang="en-US" dirty="0"/>
-              <a:t>dataset contains the first 10min. stats of approx. 10k ranked games (SOLO QUEUE) from a high ELO (DIAMOND I to MASTER). Players have roughly the same </a:t>
+              <a:t>dataset contains the first 10min. stats of approx. 10k ranked games (SOLO QUEUE) from a high ELO (DIAMOND I to MASTER</a:t>
+            </a:r>
+            <a:r>
+              <a:rPr lang="en-US"/>
+              <a:t>). </a:t>
+            </a:r>
+            <a:endParaRPr lang="en-US" smtClean="0"/>
+          </a:p>
+          <a:p>
+            <a:r>
+              <a:rPr lang="en-US" smtClean="0"/>
+              <a:t>Each </a:t>
             </a:r>
             <a:r>
               <a:rPr lang="en-US" dirty="0" smtClean="0"/>
-              <a:t>skill level</a:t>
+              <a:t>game is unique. The </a:t>
+            </a:r>
+            <a:r>
+              <a:rPr lang="en-US" dirty="0" err="1" smtClean="0"/>
+              <a:t>gameId</a:t>
             </a:r>
             <a:r>
               <a:rPr lang="en-US" dirty="0" smtClean="0"/>
-              <a:t>.</a:t>
-            </a:r>
-          </a:p>
-          <a:p>
+              <a:t> can help you to fetch more attributes from the Riot API.</a:t>
+            </a:r>
+          </a:p>
+          <a:p>
+            <a:r>
+              <a:rPr lang="en-US" dirty="0" smtClean="0"/>
+              <a:t>There </a:t>
+            </a:r>
             <a:r>
               <a:rPr lang="en-US" dirty="0"/>
-              <a:t>Each game is unique. The </a:t>
-            </a:r>
-            <a:r>
-              <a:rPr lang="en-US" dirty="0" err="1"/>
-              <a:t>gameId</a:t>
-            </a:r>
-            <a:r>
-              <a:rPr lang="en-US" dirty="0"/>
-              <a:t> can help you to fetch more attributes from the Riot API</a:t>
-            </a:r>
-            <a:r>
-              <a:rPr lang="en-US" dirty="0" smtClean="0"/>
-              <a:t>.</a:t>
-            </a:r>
-          </a:p>
-          <a:p>
-            <a:r>
-              <a:rPr lang="en-US" dirty="0"/>
-              <a:t>There are 19 features per team (38 in total) collected after 10min in-game. This includes kills, deaths, gold, experience, level</a:t>
+              <a:t>are 19 features per team (38 in total) collected after 10min in-game. This includes kills, deaths, gold, experience, level</a:t>
             </a:r>
             <a:r>
               <a:rPr lang="en-US" dirty="0" smtClean="0"/>
               <a:t>….</a:t>
             </a:r>
-            <a:endParaRPr lang="en-US" dirty="0" smtClean="0"/>
           </a:p>
           <a:p>
             <a:r>
@@ -8309,6 +8421,13 @@
   <p:clrMapOvr>
     <a:masterClrMapping/>
   </p:clrMapOvr>
+  <p:timing>
+    <p:tnLst>
+      <p:par>
+        <p:cTn id="1" dur="indefinite" restart="never" nodeType="tmRoot"/>
+      </p:par>
+    </p:tnLst>
+  </p:timing>
 </p:sld>
 </file>
 
@@ -8387,6 +8506,13 @@
   <p:clrMapOvr>
     <a:masterClrMapping/>
   </p:clrMapOvr>
+  <p:timing>
+    <p:tnLst>
+      <p:par>
+        <p:cTn id="1" dur="indefinite" restart="never" nodeType="tmRoot"/>
+      </p:par>
+    </p:tnLst>
+  </p:timing>
 </p:sld>
 </file>
 
@@ -8469,6 +8595,13 @@
   <p:clrMapOvr>
     <a:masterClrMapping/>
   </p:clrMapOvr>
+  <p:timing>
+    <p:tnLst>
+      <p:par>
+        <p:cTn id="1" dur="indefinite" restart="never" nodeType="tmRoot"/>
+      </p:par>
+    </p:tnLst>
+  </p:timing>
 </p:sld>
 </file>
 
@@ -8551,6 +8684,13 @@
   <p:clrMapOvr>
     <a:masterClrMapping/>
   </p:clrMapOvr>
+  <p:timing>
+    <p:tnLst>
+      <p:par>
+        <p:cTn id="1" dur="indefinite" restart="never" nodeType="tmRoot"/>
+      </p:par>
+    </p:tnLst>
+  </p:timing>
 </p:sld>
 </file>
 
@@ -8633,6 +8773,13 @@
   <p:clrMapOvr>
     <a:masterClrMapping/>
   </p:clrMapOvr>
+  <p:timing>
+    <p:tnLst>
+      <p:par>
+        <p:cTn id="1" dur="indefinite" restart="never" nodeType="tmRoot"/>
+      </p:par>
+    </p:tnLst>
+  </p:timing>
 </p:sld>
 </file>
 
